--- a/PPT/AIR QUALITY AND ACOUSTIC POLLUTION MONITORING WITH ESP32.pptx
+++ b/PPT/AIR QUALITY AND ACOUSTIC POLLUTION MONITORING WITH ESP32.pptx
@@ -5202,15 +5202,52 @@
           </a:p>
         </p:txBody>
       </p:sp>
+      <p:sp>
+        <p:nvSpPr>
+          <p:cNvPr id="7" name="Content Placeholder 6">
+            <a:extLst>
+              <a:ext uri="{FF2B5EF4-FFF2-40B4-BE49-F238E27FC236}">
+                <a16:creationId xmlns:a16="http://schemas.microsoft.com/office/drawing/2014/main" id="{A025B276-27BD-FACF-A3E2-6E5EF9134FDC}"/>
+              </a:ext>
+            </a:extLst>
+          </p:cNvPr>
+          <p:cNvSpPr>
+            <a:spLocks noGrp="1"/>
+          </p:cNvSpPr>
+          <p:nvPr>
+            <p:ph sz="quarter" idx="1"/>
+          </p:nvPr>
+        </p:nvSpPr>
+        <p:spPr>
+          <a:xfrm>
+            <a:off x="609600" y="1371600"/>
+            <a:ext cx="7467600" cy="4873752"/>
+          </a:xfrm>
+        </p:spPr>
+        <p:txBody>
+          <a:bodyPr/>
+          <a:lstStyle/>
+          <a:p>
+            <a:pPr marL="0" indent="0">
+              <a:buNone/>
+            </a:pPr>
+            <a:endParaRPr lang="en-IN" dirty="0"/>
+          </a:p>
+        </p:txBody>
+      </p:sp>
       <p:pic>
         <p:nvPicPr>
-          <p:cNvPr id="4" name="Content Placeholder 3" descr="WhatsApp Image 2024-05-21 at 12.46.32 AM.jpeg"/>
+          <p:cNvPr id="9" name="Picture 8">
+            <a:extLst>
+              <a:ext uri="{FF2B5EF4-FFF2-40B4-BE49-F238E27FC236}">
+                <a16:creationId xmlns:a16="http://schemas.microsoft.com/office/drawing/2014/main" id="{DD0AF45C-A68D-1A94-48D6-1771440ED771}"/>
+              </a:ext>
+            </a:extLst>
+          </p:cNvPr>
           <p:cNvPicPr>
-            <a:picLocks noGrp="1" noChangeAspect="1"/>
+            <a:picLocks noChangeAspect="1"/>
           </p:cNvPicPr>
-          <p:nvPr>
-            <p:ph sz="quarter" idx="1"/>
-          </p:nvPr>
+          <p:nvPr/>
         </p:nvPicPr>
         <p:blipFill>
           <a:blip r:embed="rId2"/>
@@ -5220,22 +5257,12 @@
         </p:blipFill>
         <p:spPr>
           <a:xfrm>
-            <a:off x="762000" y="1295400"/>
-            <a:ext cx="7305675" cy="4867275"/>
+            <a:off x="609600" y="1300837"/>
+            <a:ext cx="7467600" cy="5015278"/>
           </a:xfrm>
           <a:prstGeom prst="rect">
             <a:avLst/>
           </a:prstGeom>
-          <a:ln>
-            <a:noFill/>
-          </a:ln>
-          <a:effectLst>
-            <a:outerShdw blurRad="190500" algn="tl" rotWithShape="0">
-              <a:srgbClr val="000000">
-                <a:alpha val="70000"/>
-              </a:srgbClr>
-            </a:outerShdw>
-          </a:effectLst>
         </p:spPr>
       </p:pic>
     </p:spTree>
